--- a/Fase 3 /Evidencia Grupal/Formato Presentación final.pptx
+++ b/Fase 3 /Evidencia Grupal/Formato Presentación final.pptx
@@ -259,7 +259,7 @@
   </p:defaultTextStyle>
   <p:extLst>
     <p:ext uri="GoogleSlidesCustomDataVersion2">
-      <go:slidesCustomData xmlns:go="http://customooxmlschemas.google.com/" r:id="rId23" roundtripDataSignature="AMtx7miUusDE7Bqk/aKKxiKjS3yaaGNnvw=="/>
+      <go:slidesCustomData xmlns:go="http://customooxmlschemas.google.com/" r:id="rId23" roundtripDataSignature="AMtx7mhWWeaKIiKQICP6EyGBRBpZOZom6g=="/>
     </p:ext>
   </p:extLst>
 </p:presentation>
@@ -795,7 +795,7 @@
   <p:cSld>
     <p:spTree>
       <p:nvGrpSpPr>
-        <p:cNvPr id="164" name="Shape 164"/>
+        <p:cNvPr id="162" name="Shape 162"/>
         <p:cNvGrpSpPr/>
         <p:nvPr/>
       </p:nvGrpSpPr>
@@ -809,7 +809,7 @@
       </p:grpSpPr>
       <p:sp>
         <p:nvSpPr>
-          <p:cNvPr id="165" name="Google Shape;165;p10:notes"/>
+          <p:cNvPr id="163" name="Google Shape;163;p10:notes"/>
           <p:cNvSpPr txBox="1"/>
           <p:nvPr>
             <p:ph idx="1" type="body"/>
@@ -848,7 +848,7 @@
       </p:sp>
       <p:sp>
         <p:nvSpPr>
-          <p:cNvPr id="166" name="Google Shape;166;p10:notes"/>
+          <p:cNvPr id="164" name="Google Shape;164;p10:notes"/>
           <p:cNvSpPr/>
           <p:nvPr>
             <p:ph idx="2" type="sldImg"/>
@@ -894,7 +894,7 @@
   <p:cSld>
     <p:spTree>
       <p:nvGrpSpPr>
-        <p:cNvPr id="173" name="Shape 173"/>
+        <p:cNvPr id="171" name="Shape 171"/>
         <p:cNvGrpSpPr/>
         <p:nvPr/>
       </p:nvGrpSpPr>
@@ -908,7 +908,7 @@
       </p:grpSpPr>
       <p:sp>
         <p:nvSpPr>
-          <p:cNvPr id="174" name="Google Shape;174;p11:notes"/>
+          <p:cNvPr id="172" name="Google Shape;172;p11:notes"/>
           <p:cNvSpPr txBox="1"/>
           <p:nvPr>
             <p:ph idx="1" type="body"/>
@@ -947,7 +947,7 @@
       </p:sp>
       <p:sp>
         <p:nvSpPr>
-          <p:cNvPr id="175" name="Google Shape;175;p11:notes"/>
+          <p:cNvPr id="173" name="Google Shape;173;p11:notes"/>
           <p:cNvSpPr/>
           <p:nvPr>
             <p:ph idx="2" type="sldImg"/>
@@ -993,7 +993,7 @@
   <p:cSld>
     <p:spTree>
       <p:nvGrpSpPr>
-        <p:cNvPr id="182" name="Shape 182"/>
+        <p:cNvPr id="180" name="Shape 180"/>
         <p:cNvGrpSpPr/>
         <p:nvPr/>
       </p:nvGrpSpPr>
@@ -1007,7 +1007,7 @@
       </p:grpSpPr>
       <p:sp>
         <p:nvSpPr>
-          <p:cNvPr id="183" name="Google Shape;183;p12:notes"/>
+          <p:cNvPr id="181" name="Google Shape;181;p12:notes"/>
           <p:cNvSpPr txBox="1"/>
           <p:nvPr>
             <p:ph idx="1" type="body"/>
@@ -1046,7 +1046,7 @@
       </p:sp>
       <p:sp>
         <p:nvSpPr>
-          <p:cNvPr id="184" name="Google Shape;184;p12:notes"/>
+          <p:cNvPr id="182" name="Google Shape;182;p12:notes"/>
           <p:cNvSpPr/>
           <p:nvPr>
             <p:ph idx="2" type="sldImg"/>
@@ -1092,7 +1092,7 @@
   <p:cSld>
     <p:spTree>
       <p:nvGrpSpPr>
-        <p:cNvPr id="188" name="Shape 188"/>
+        <p:cNvPr id="186" name="Shape 186"/>
         <p:cNvGrpSpPr/>
         <p:nvPr/>
       </p:nvGrpSpPr>
@@ -1106,7 +1106,7 @@
       </p:grpSpPr>
       <p:sp>
         <p:nvSpPr>
-          <p:cNvPr id="189" name="Google Shape;189;g312d80bae0e_0_5:notes"/>
+          <p:cNvPr id="187" name="Google Shape;187;g312d80bae0e_0_5:notes"/>
           <p:cNvSpPr txBox="1"/>
           <p:nvPr>
             <p:ph idx="1" type="body"/>
@@ -1145,7 +1145,7 @@
       </p:sp>
       <p:sp>
         <p:nvSpPr>
-          <p:cNvPr id="190" name="Google Shape;190;g312d80bae0e_0_5:notes"/>
+          <p:cNvPr id="188" name="Google Shape;188;g312d80bae0e_0_5:notes"/>
           <p:cNvSpPr/>
           <p:nvPr>
             <p:ph idx="2" type="sldImg"/>
@@ -1191,7 +1191,7 @@
   <p:cSld>
     <p:spTree>
       <p:nvGrpSpPr>
-        <p:cNvPr id="195" name="Shape 195"/>
+        <p:cNvPr id="193" name="Shape 193"/>
         <p:cNvGrpSpPr/>
         <p:nvPr/>
       </p:nvGrpSpPr>
@@ -1205,7 +1205,7 @@
       </p:grpSpPr>
       <p:sp>
         <p:nvSpPr>
-          <p:cNvPr id="196" name="Google Shape;196;p13:notes"/>
+          <p:cNvPr id="194" name="Google Shape;194;p13:notes"/>
           <p:cNvSpPr txBox="1"/>
           <p:nvPr>
             <p:ph idx="1" type="body"/>
@@ -1244,7 +1244,7 @@
       </p:sp>
       <p:sp>
         <p:nvSpPr>
-          <p:cNvPr id="197" name="Google Shape;197;p13:notes"/>
+          <p:cNvPr id="195" name="Google Shape;195;p13:notes"/>
           <p:cNvSpPr/>
           <p:nvPr>
             <p:ph idx="2" type="sldImg"/>
@@ -1290,7 +1290,7 @@
   <p:cSld>
     <p:spTree>
       <p:nvGrpSpPr>
-        <p:cNvPr id="200" name="Shape 200"/>
+        <p:cNvPr id="198" name="Shape 198"/>
         <p:cNvGrpSpPr/>
         <p:nvPr/>
       </p:nvGrpSpPr>
@@ -1304,7 +1304,7 @@
       </p:grpSpPr>
       <p:sp>
         <p:nvSpPr>
-          <p:cNvPr id="201" name="Google Shape;201;g312d80bae0e_0_17:notes"/>
+          <p:cNvPr id="199" name="Google Shape;199;g312d80bae0e_0_17:notes"/>
           <p:cNvSpPr txBox="1"/>
           <p:nvPr>
             <p:ph idx="1" type="body"/>
@@ -1343,7 +1343,7 @@
       </p:sp>
       <p:sp>
         <p:nvSpPr>
-          <p:cNvPr id="202" name="Google Shape;202;g312d80bae0e_0_17:notes"/>
+          <p:cNvPr id="200" name="Google Shape;200;g312d80bae0e_0_17:notes"/>
           <p:cNvSpPr/>
           <p:nvPr>
             <p:ph idx="2" type="sldImg"/>
@@ -1389,7 +1389,7 @@
   <p:cSld>
     <p:spTree>
       <p:nvGrpSpPr>
-        <p:cNvPr id="206" name="Shape 206"/>
+        <p:cNvPr id="204" name="Shape 204"/>
         <p:cNvGrpSpPr/>
         <p:nvPr/>
       </p:nvGrpSpPr>
@@ -1403,7 +1403,7 @@
       </p:grpSpPr>
       <p:sp>
         <p:nvSpPr>
-          <p:cNvPr id="207" name="Google Shape;207;p14:notes"/>
+          <p:cNvPr id="205" name="Google Shape;205;p14:notes"/>
           <p:cNvSpPr txBox="1"/>
           <p:nvPr>
             <p:ph idx="1" type="body"/>
@@ -1442,7 +1442,7 @@
       </p:sp>
       <p:sp>
         <p:nvSpPr>
-          <p:cNvPr id="208" name="Google Shape;208;p14:notes"/>
+          <p:cNvPr id="206" name="Google Shape;206;p14:notes"/>
           <p:cNvSpPr/>
           <p:nvPr>
             <p:ph idx="2" type="sldImg"/>
@@ -1488,7 +1488,7 @@
   <p:cSld>
     <p:spTree>
       <p:nvGrpSpPr>
-        <p:cNvPr id="213" name="Shape 213"/>
+        <p:cNvPr id="211" name="Shape 211"/>
         <p:cNvGrpSpPr/>
         <p:nvPr/>
       </p:nvGrpSpPr>
@@ -1502,7 +1502,7 @@
       </p:grpSpPr>
       <p:sp>
         <p:nvSpPr>
-          <p:cNvPr id="214" name="Google Shape;214;p15:notes"/>
+          <p:cNvPr id="212" name="Google Shape;212;p15:notes"/>
           <p:cNvSpPr txBox="1"/>
           <p:nvPr>
             <p:ph idx="1" type="body"/>
@@ -1541,7 +1541,7 @@
       </p:sp>
       <p:sp>
         <p:nvSpPr>
-          <p:cNvPr id="215" name="Google Shape;215;p15:notes"/>
+          <p:cNvPr id="213" name="Google Shape;213;p15:notes"/>
           <p:cNvSpPr/>
           <p:nvPr>
             <p:ph idx="2" type="sldImg"/>
@@ -12574,7 +12574,7 @@
   <p:cSld>
     <p:spTree>
       <p:nvGrpSpPr>
-        <p:cNvPr id="167" name="Shape 167"/>
+        <p:cNvPr id="165" name="Shape 165"/>
         <p:cNvGrpSpPr/>
         <p:nvPr/>
       </p:nvGrpSpPr>
@@ -12588,7 +12588,7 @@
       </p:grpSpPr>
       <p:pic>
         <p:nvPicPr>
-          <p:cNvPr descr="EscuelaIT Duoc UC - Escuela de Informática y Telecomunicaciones Duoc UC - Duoc  UC | LinkedIn" id="168" name="Google Shape;168;p10"/>
+          <p:cNvPr descr="EscuelaIT Duoc UC - Escuela de Informática y Telecomunicaciones Duoc UC - Duoc  UC | LinkedIn" id="166" name="Google Shape;166;p10"/>
           <p:cNvPicPr preferRelativeResize="0"/>
           <p:nvPr/>
         </p:nvPicPr>
@@ -12615,7 +12615,7 @@
       </p:pic>
       <p:sp>
         <p:nvSpPr>
-          <p:cNvPr id="169" name="Google Shape;169;p10"/>
+          <p:cNvPr id="167" name="Google Shape;167;p10"/>
           <p:cNvSpPr txBox="1"/>
           <p:nvPr/>
         </p:nvSpPr>
@@ -12665,7 +12665,7 @@
       </p:sp>
       <p:sp>
         <p:nvSpPr>
-          <p:cNvPr id="170" name="Google Shape;170;p10"/>
+          <p:cNvPr id="168" name="Google Shape;168;p10"/>
           <p:cNvSpPr txBox="1"/>
           <p:nvPr/>
         </p:nvSpPr>
@@ -12715,7 +12715,7 @@
       </p:sp>
       <p:cxnSp>
         <p:nvCxnSpPr>
-          <p:cNvPr id="171" name="Google Shape;171;p10"/>
+          <p:cNvPr id="169" name="Google Shape;169;p10"/>
           <p:cNvCxnSpPr/>
           <p:nvPr/>
         </p:nvCxnSpPr>
@@ -12741,21 +12741,22 @@
       </p:cxnSp>
       <p:pic>
         <p:nvPicPr>
-          <p:cNvPr descr="Tabla&#10;&#10;Descripción generada automáticamente con confianza media" id="172" name="Google Shape;172;p10"/>
+          <p:cNvPr id="170" name="Google Shape;170;p10"/>
           <p:cNvPicPr preferRelativeResize="0"/>
           <p:nvPr/>
         </p:nvPicPr>
-        <p:blipFill rotWithShape="1">
+        <p:blipFill>
           <a:blip r:embed="rId4">
             <a:alphaModFix/>
           </a:blip>
-          <a:srcRect b="0" l="0" r="0" t="0"/>
-          <a:stretch/>
+          <a:stretch>
+            <a:fillRect/>
+          </a:stretch>
         </p:blipFill>
         <p:spPr>
           <a:xfrm>
-            <a:off x="1655237" y="1650175"/>
-            <a:ext cx="8881518" cy="5000275"/>
+            <a:off x="2431662" y="1650175"/>
+            <a:ext cx="7601051" cy="5012450"/>
           </a:xfrm>
           <a:prstGeom prst="rect">
             <a:avLst/>
@@ -12782,7 +12783,7 @@
   <p:cSld>
     <p:spTree>
       <p:nvGrpSpPr>
-        <p:cNvPr id="176" name="Shape 176"/>
+        <p:cNvPr id="174" name="Shape 174"/>
         <p:cNvGrpSpPr/>
         <p:nvPr/>
       </p:nvGrpSpPr>
@@ -12796,7 +12797,7 @@
       </p:grpSpPr>
       <p:pic>
         <p:nvPicPr>
-          <p:cNvPr descr="EscuelaIT Duoc UC - Escuela de Informática y Telecomunicaciones Duoc UC - Duoc  UC | LinkedIn" id="177" name="Google Shape;177;p11"/>
+          <p:cNvPr descr="EscuelaIT Duoc UC - Escuela de Informática y Telecomunicaciones Duoc UC - Duoc  UC | LinkedIn" id="175" name="Google Shape;175;p11"/>
           <p:cNvPicPr preferRelativeResize="0"/>
           <p:nvPr/>
         </p:nvPicPr>
@@ -12823,7 +12824,7 @@
       </p:pic>
       <p:sp>
         <p:nvSpPr>
-          <p:cNvPr id="178" name="Google Shape;178;p11"/>
+          <p:cNvPr id="176" name="Google Shape;176;p11"/>
           <p:cNvSpPr txBox="1"/>
           <p:nvPr/>
         </p:nvSpPr>
@@ -12873,7 +12874,7 @@
       </p:sp>
       <p:sp>
         <p:nvSpPr>
-          <p:cNvPr id="179" name="Google Shape;179;p11"/>
+          <p:cNvPr id="177" name="Google Shape;177;p11"/>
           <p:cNvSpPr txBox="1"/>
           <p:nvPr/>
         </p:nvSpPr>
@@ -12923,7 +12924,7 @@
       </p:sp>
       <p:cxnSp>
         <p:nvCxnSpPr>
-          <p:cNvPr id="180" name="Google Shape;180;p11"/>
+          <p:cNvPr id="178" name="Google Shape;178;p11"/>
           <p:cNvCxnSpPr/>
           <p:nvPr/>
         </p:nvCxnSpPr>
@@ -12949,7 +12950,7 @@
       </p:cxnSp>
       <p:sp>
         <p:nvSpPr>
-          <p:cNvPr id="181" name="Google Shape;181;p11"/>
+          <p:cNvPr id="179" name="Google Shape;179;p11"/>
           <p:cNvSpPr txBox="1"/>
           <p:nvPr/>
         </p:nvSpPr>
@@ -13421,7 +13422,7 @@
   <p:cSld>
     <p:spTree>
       <p:nvGrpSpPr>
-        <p:cNvPr id="185" name="Shape 185"/>
+        <p:cNvPr id="183" name="Shape 183"/>
         <p:cNvGrpSpPr/>
         <p:nvPr/>
       </p:nvGrpSpPr>
@@ -13435,7 +13436,7 @@
       </p:grpSpPr>
       <p:pic>
         <p:nvPicPr>
-          <p:cNvPr descr="EscuelaIT Duoc UC - Escuela de Informática y Telecomunicaciones Duoc UC - Duoc  UC | LinkedIn" id="186" name="Google Shape;186;p12"/>
+          <p:cNvPr descr="EscuelaIT Duoc UC - Escuela de Informática y Telecomunicaciones Duoc UC - Duoc  UC | LinkedIn" id="184" name="Google Shape;184;p12"/>
           <p:cNvPicPr preferRelativeResize="0"/>
           <p:nvPr/>
         </p:nvPicPr>
@@ -13462,7 +13463,7 @@
       </p:pic>
       <p:sp>
         <p:nvSpPr>
-          <p:cNvPr id="187" name="Google Shape;187;p12"/>
+          <p:cNvPr id="185" name="Google Shape;185;p12"/>
           <p:cNvSpPr txBox="1"/>
           <p:nvPr/>
         </p:nvSpPr>
@@ -13558,7 +13559,7 @@
   <p:cSld>
     <p:spTree>
       <p:nvGrpSpPr>
-        <p:cNvPr id="191" name="Shape 191"/>
+        <p:cNvPr id="189" name="Shape 189"/>
         <p:cNvGrpSpPr/>
         <p:nvPr/>
       </p:nvGrpSpPr>
@@ -13572,7 +13573,7 @@
       </p:grpSpPr>
       <p:pic>
         <p:nvPicPr>
-          <p:cNvPr descr="EscuelaIT Duoc UC - Escuela de Informática y Telecomunicaciones Duoc UC - Duoc  UC | LinkedIn" id="192" name="Google Shape;192;g312d80bae0e_0_5"/>
+          <p:cNvPr descr="EscuelaIT Duoc UC - Escuela de Informática y Telecomunicaciones Duoc UC - Duoc  UC | LinkedIn" id="190" name="Google Shape;190;g312d80bae0e_0_5"/>
           <p:cNvPicPr preferRelativeResize="0"/>
           <p:nvPr/>
         </p:nvPicPr>
@@ -13599,13 +13600,13 @@
       </p:pic>
       <p:sp>
         <p:nvSpPr>
-          <p:cNvPr id="193" name="Google Shape;193;g312d80bae0e_0_5"/>
+          <p:cNvPr id="191" name="Google Shape;191;g312d80bae0e_0_5"/>
           <p:cNvSpPr txBox="1"/>
           <p:nvPr/>
         </p:nvSpPr>
         <p:spPr>
           <a:xfrm>
-            <a:off x="1" y="1459095"/>
+            <a:off x="-703374" y="560345"/>
             <a:ext cx="12192000" cy="769500"/>
           </a:xfrm>
           <a:prstGeom prst="rect">
@@ -13647,101 +13648,428 @@
           </a:p>
         </p:txBody>
       </p:sp>
-      <p:sp>
-        <p:nvSpPr>
-          <p:cNvPr id="194" name="Google Shape;194;g312d80bae0e_0_5"/>
-          <p:cNvSpPr txBox="1"/>
+      <p:graphicFrame>
+        <p:nvGraphicFramePr>
+          <p:cNvPr id="192" name="Google Shape;192;g312d80bae0e_0_5"/>
+          <p:cNvGraphicFramePr/>
           <p:nvPr/>
-        </p:nvSpPr>
-        <p:spPr>
-          <a:xfrm>
-            <a:off x="221673" y="2798618"/>
-            <a:ext cx="11817900" cy="1015800"/>
-          </a:xfrm>
-          <a:prstGeom prst="rect">
-            <a:avLst/>
-          </a:prstGeom>
-          <a:noFill/>
-          <a:ln>
-            <a:noFill/>
-          </a:ln>
-        </p:spPr>
-        <p:txBody>
-          <a:bodyPr anchorCtr="0" anchor="t" bIns="45700" lIns="91425" spcFirstLastPara="1" rIns="91425" wrap="square" tIns="45700">
-            <a:spAutoFit/>
-          </a:bodyPr>
-          <a:lstStyle/>
-          <a:p>
-            <a:pPr indent="0" lvl="0" marL="0" marR="0" rtl="0" algn="l">
-              <a:spcBef>
-                <a:spcPts val="0"/>
-              </a:spcBef>
-              <a:spcAft>
-                <a:spcPts val="0"/>
-              </a:spcAft>
-              <a:buNone/>
-            </a:pPr>
-            <a:r>
-              <a:t/>
-            </a:r>
-            <a:endParaRPr sz="2000">
-              <a:solidFill>
-                <a:schemeClr val="dk1"/>
-              </a:solidFill>
-              <a:latin typeface="Calibri"/>
-              <a:ea typeface="Calibri"/>
-              <a:cs typeface="Calibri"/>
-              <a:sym typeface="Calibri"/>
-            </a:endParaRPr>
-          </a:p>
-          <a:p>
-            <a:pPr indent="0" lvl="0" marL="0" marR="0" rtl="0" algn="l">
-              <a:spcBef>
-                <a:spcPts val="0"/>
-              </a:spcBef>
-              <a:spcAft>
-                <a:spcPts val="0"/>
-              </a:spcAft>
-              <a:buNone/>
-            </a:pPr>
-            <a:r>
-              <a:t/>
-            </a:r>
-            <a:endParaRPr sz="2000">
-              <a:solidFill>
-                <a:schemeClr val="dk1"/>
-              </a:solidFill>
-              <a:latin typeface="Calibri"/>
-              <a:ea typeface="Calibri"/>
-              <a:cs typeface="Calibri"/>
-              <a:sym typeface="Calibri"/>
-            </a:endParaRPr>
-          </a:p>
-          <a:p>
-            <a:pPr indent="0" lvl="0" marL="0" marR="0" rtl="0" algn="l">
-              <a:spcBef>
-                <a:spcPts val="0"/>
-              </a:spcBef>
-              <a:spcAft>
-                <a:spcPts val="0"/>
-              </a:spcAft>
-              <a:buNone/>
-            </a:pPr>
-            <a:r>
-              <a:t/>
-            </a:r>
-            <a:endParaRPr sz="2000">
-              <a:solidFill>
-                <a:schemeClr val="dk1"/>
-              </a:solidFill>
-              <a:latin typeface="Calibri"/>
-              <a:ea typeface="Calibri"/>
-              <a:cs typeface="Calibri"/>
-              <a:sym typeface="Calibri"/>
-            </a:endParaRPr>
-          </a:p>
-        </p:txBody>
-      </p:sp>
+        </p:nvGraphicFramePr>
+        <p:xfrm>
+          <a:off x="229550" y="1880600"/>
+          <a:ext cx="3000000" cy="3000000"/>
+        </p:xfrm>
+        <a:graphic>
+          <a:graphicData uri="http://schemas.openxmlformats.org/drawingml/2006/table">
+            <a:tbl>
+              <a:tblPr>
+                <a:noFill/>
+                <a:tableStyleId>{2DDB00C1-4FB2-4E88-8AE4-66CA4F2EDC52}</a:tableStyleId>
+              </a:tblPr>
+              <a:tblGrid>
+                <a:gridCol w="5842000"/>
+                <a:gridCol w="5842000"/>
+              </a:tblGrid>
+              <a:tr h="1539250">
+                <a:tc>
+                  <a:txBody>
+                    <a:bodyPr/>
+                    <a:lstStyle/>
+                    <a:p>
+                      <a:pPr indent="0" lvl="0" marL="0" rtl="0" algn="l">
+                        <a:spcBef>
+                          <a:spcPts val="0"/>
+                        </a:spcBef>
+                        <a:spcAft>
+                          <a:spcPts val="0"/>
+                        </a:spcAft>
+                        <a:buNone/>
+                      </a:pPr>
+                      <a:r>
+                        <a:rPr b="1" lang="es-MX" sz="2200"/>
+                        <a:t>Segmentación Estratégica de Clientes</a:t>
+                      </a:r>
+                      <a:endParaRPr b="1" sz="2200"/>
+                    </a:p>
+                  </a:txBody>
+                  <a:tcPr marT="91425" marB="91425" marR="91425" marL="91425">
+                    <a:lnL cap="flat" cmpd="sng" w="9525">
+                      <a:solidFill>
+                        <a:schemeClr val="dk1"/>
+                      </a:solidFill>
+                      <a:prstDash val="solid"/>
+                      <a:round/>
+                      <a:headEnd len="sm" w="sm" type="none"/>
+                      <a:tailEnd len="sm" w="sm" type="none"/>
+                    </a:lnL>
+                    <a:lnR cap="flat" cmpd="sng" w="9525">
+                      <a:solidFill>
+                        <a:schemeClr val="dk1"/>
+                      </a:solidFill>
+                      <a:prstDash val="solid"/>
+                      <a:round/>
+                      <a:headEnd len="sm" w="sm" type="none"/>
+                      <a:tailEnd len="sm" w="sm" type="none"/>
+                    </a:lnR>
+                    <a:lnT cap="flat" cmpd="sng" w="9525">
+                      <a:solidFill>
+                        <a:schemeClr val="dk1"/>
+                      </a:solidFill>
+                      <a:prstDash val="solid"/>
+                      <a:round/>
+                      <a:headEnd len="sm" w="sm" type="none"/>
+                      <a:tailEnd len="sm" w="sm" type="none"/>
+                    </a:lnT>
+                    <a:lnB cap="flat" cmpd="sng" w="9525">
+                      <a:solidFill>
+                        <a:schemeClr val="dk1"/>
+                      </a:solidFill>
+                      <a:prstDash val="solid"/>
+                      <a:round/>
+                      <a:headEnd len="sm" w="sm" type="none"/>
+                      <a:tailEnd len="sm" w="sm" type="none"/>
+                    </a:lnB>
+                    <a:solidFill>
+                      <a:srgbClr val="C3D4EB"/>
+                    </a:solidFill>
+                  </a:tcPr>
+                </a:tc>
+                <a:tc>
+                  <a:txBody>
+                    <a:bodyPr/>
+                    <a:lstStyle/>
+                    <a:p>
+                      <a:pPr indent="0" lvl="0" marL="0" rtl="0" algn="l">
+                        <a:lnSpc>
+                          <a:spcPct val="150000"/>
+                        </a:lnSpc>
+                        <a:spcBef>
+                          <a:spcPts val="0"/>
+                        </a:spcBef>
+                        <a:spcAft>
+                          <a:spcPts val="0"/>
+                        </a:spcAft>
+                        <a:buNone/>
+                      </a:pPr>
+                      <a:r>
+                        <a:rPr lang="es-MX" sz="2100">
+                          <a:solidFill>
+                            <a:schemeClr val="dk1"/>
+                          </a:solidFill>
+                        </a:rPr>
+                        <a:t>Clasificación en cinco segmentos clave para estrategias personalizadas.</a:t>
+                      </a:r>
+                      <a:endParaRPr sz="2100"/>
+                    </a:p>
+                  </a:txBody>
+                  <a:tcPr marT="91425" marB="91425" marR="91425" marL="91425">
+                    <a:lnL cap="flat" cmpd="sng" w="9525">
+                      <a:solidFill>
+                        <a:schemeClr val="dk1"/>
+                      </a:solidFill>
+                      <a:prstDash val="solid"/>
+                      <a:round/>
+                      <a:headEnd len="sm" w="sm" type="none"/>
+                      <a:tailEnd len="sm" w="sm" type="none"/>
+                    </a:lnL>
+                    <a:lnR cap="flat" cmpd="sng" w="9525">
+                      <a:solidFill>
+                        <a:schemeClr val="dk1"/>
+                      </a:solidFill>
+                      <a:prstDash val="solid"/>
+                      <a:round/>
+                      <a:headEnd len="sm" w="sm" type="none"/>
+                      <a:tailEnd len="sm" w="sm" type="none"/>
+                    </a:lnR>
+                    <a:lnT cap="flat" cmpd="sng" w="9525">
+                      <a:solidFill>
+                        <a:schemeClr val="dk1"/>
+                      </a:solidFill>
+                      <a:prstDash val="solid"/>
+                      <a:round/>
+                      <a:headEnd len="sm" w="sm" type="none"/>
+                      <a:tailEnd len="sm" w="sm" type="none"/>
+                    </a:lnT>
+                    <a:lnB cap="flat" cmpd="sng" w="9525">
+                      <a:solidFill>
+                        <a:schemeClr val="dk1"/>
+                      </a:solidFill>
+                      <a:prstDash val="solid"/>
+                      <a:round/>
+                      <a:headEnd len="sm" w="sm" type="none"/>
+                      <a:tailEnd len="sm" w="sm" type="none"/>
+                    </a:lnB>
+                    <a:solidFill>
+                      <a:srgbClr val="C3D4EB"/>
+                    </a:solidFill>
+                  </a:tcPr>
+                </a:tc>
+              </a:tr>
+              <a:tr h="1446750">
+                <a:tc>
+                  <a:txBody>
+                    <a:bodyPr/>
+                    <a:lstStyle/>
+                    <a:p>
+                      <a:pPr indent="0" lvl="0" marL="0" rtl="0" algn="l">
+                        <a:spcBef>
+                          <a:spcPts val="0"/>
+                        </a:spcBef>
+                        <a:spcAft>
+                          <a:spcPts val="0"/>
+                        </a:spcAft>
+                        <a:buNone/>
+                      </a:pPr>
+                      <a:r>
+                        <a:rPr b="1" lang="es-MX" sz="2200"/>
+                        <a:t>Predicción de Tendencias de Comportamiento</a:t>
+                      </a:r>
+                      <a:endParaRPr b="1" sz="2200"/>
+                    </a:p>
+                  </a:txBody>
+                  <a:tcPr marT="91425" marB="91425" marR="91425" marL="91425">
+                    <a:lnL cap="flat" cmpd="sng" w="9525">
+                      <a:solidFill>
+                        <a:schemeClr val="dk1"/>
+                      </a:solidFill>
+                      <a:prstDash val="solid"/>
+                      <a:round/>
+                      <a:headEnd len="sm" w="sm" type="none"/>
+                      <a:tailEnd len="sm" w="sm" type="none"/>
+                    </a:lnL>
+                    <a:lnR cap="flat" cmpd="sng" w="9525">
+                      <a:solidFill>
+                        <a:schemeClr val="dk1"/>
+                      </a:solidFill>
+                      <a:prstDash val="solid"/>
+                      <a:round/>
+                      <a:headEnd len="sm" w="sm" type="none"/>
+                      <a:tailEnd len="sm" w="sm" type="none"/>
+                    </a:lnR>
+                    <a:lnT cap="flat" cmpd="sng" w="9525">
+                      <a:solidFill>
+                        <a:schemeClr val="dk1"/>
+                      </a:solidFill>
+                      <a:prstDash val="solid"/>
+                      <a:round/>
+                      <a:headEnd len="sm" w="sm" type="none"/>
+                      <a:tailEnd len="sm" w="sm" type="none"/>
+                    </a:lnT>
+                    <a:lnB cap="flat" cmpd="sng" w="9525">
+                      <a:solidFill>
+                        <a:schemeClr val="dk1"/>
+                      </a:solidFill>
+                      <a:prstDash val="solid"/>
+                      <a:round/>
+                      <a:headEnd len="sm" w="sm" type="none"/>
+                      <a:tailEnd len="sm" w="sm" type="none"/>
+                    </a:lnB>
+                    <a:solidFill>
+                      <a:srgbClr val="C3D4EB"/>
+                    </a:solidFill>
+                  </a:tcPr>
+                </a:tc>
+                <a:tc>
+                  <a:txBody>
+                    <a:bodyPr/>
+                    <a:lstStyle/>
+                    <a:p>
+                      <a:pPr indent="0" lvl="0" marL="0" rtl="0" algn="l">
+                        <a:lnSpc>
+                          <a:spcPct val="150000"/>
+                        </a:lnSpc>
+                        <a:spcBef>
+                          <a:spcPts val="0"/>
+                        </a:spcBef>
+                        <a:spcAft>
+                          <a:spcPts val="0"/>
+                        </a:spcAft>
+                        <a:buNone/>
+                      </a:pPr>
+                      <a:r>
+                        <a:rPr lang="es-MX" sz="2100"/>
+                        <a:t>Identificación de patrones de consumo y posibles abandonos.</a:t>
+                      </a:r>
+                      <a:endParaRPr sz="2100"/>
+                    </a:p>
+                  </a:txBody>
+                  <a:tcPr marT="91425" marB="91425" marR="91425" marL="91425">
+                    <a:lnL cap="flat" cmpd="sng" w="9525">
+                      <a:solidFill>
+                        <a:schemeClr val="dk1"/>
+                      </a:solidFill>
+                      <a:prstDash val="solid"/>
+                      <a:round/>
+                      <a:headEnd len="sm" w="sm" type="none"/>
+                      <a:tailEnd len="sm" w="sm" type="none"/>
+                    </a:lnL>
+                    <a:lnR cap="flat" cmpd="sng" w="9525">
+                      <a:solidFill>
+                        <a:schemeClr val="dk1"/>
+                      </a:solidFill>
+                      <a:prstDash val="solid"/>
+                      <a:round/>
+                      <a:headEnd len="sm" w="sm" type="none"/>
+                      <a:tailEnd len="sm" w="sm" type="none"/>
+                    </a:lnR>
+                    <a:lnT cap="flat" cmpd="sng" w="9525">
+                      <a:solidFill>
+                        <a:schemeClr val="dk1"/>
+                      </a:solidFill>
+                      <a:prstDash val="solid"/>
+                      <a:round/>
+                      <a:headEnd len="sm" w="sm" type="none"/>
+                      <a:tailEnd len="sm" w="sm" type="none"/>
+                    </a:lnT>
+                    <a:lnB cap="flat" cmpd="sng" w="9525">
+                      <a:solidFill>
+                        <a:schemeClr val="dk1"/>
+                      </a:solidFill>
+                      <a:prstDash val="solid"/>
+                      <a:round/>
+                      <a:headEnd len="sm" w="sm" type="none"/>
+                      <a:tailEnd len="sm" w="sm" type="none"/>
+                    </a:lnB>
+                    <a:solidFill>
+                      <a:srgbClr val="C3D4EB"/>
+                    </a:solidFill>
+                  </a:tcPr>
+                </a:tc>
+              </a:tr>
+              <a:tr h="1658400">
+                <a:tc>
+                  <a:txBody>
+                    <a:bodyPr/>
+                    <a:lstStyle/>
+                    <a:p>
+                      <a:pPr indent="0" lvl="0" marL="0" rtl="0" algn="l">
+                        <a:spcBef>
+                          <a:spcPts val="0"/>
+                        </a:spcBef>
+                        <a:spcAft>
+                          <a:spcPts val="0"/>
+                        </a:spcAft>
+                        <a:buNone/>
+                      </a:pPr>
+                      <a:r>
+                        <a:rPr b="1" lang="es-MX" sz="2200"/>
+                        <a:t>Optimización de Recursos de Marketing</a:t>
+                      </a:r>
+                      <a:endParaRPr b="1" sz="2200"/>
+                    </a:p>
+                  </a:txBody>
+                  <a:tcPr marT="91425" marB="91425" marR="91425" marL="91425">
+                    <a:lnL cap="flat" cmpd="sng" w="9525">
+                      <a:solidFill>
+                        <a:schemeClr val="dk1"/>
+                      </a:solidFill>
+                      <a:prstDash val="solid"/>
+                      <a:round/>
+                      <a:headEnd len="sm" w="sm" type="none"/>
+                      <a:tailEnd len="sm" w="sm" type="none"/>
+                    </a:lnL>
+                    <a:lnR cap="flat" cmpd="sng" w="9525">
+                      <a:solidFill>
+                        <a:schemeClr val="dk1"/>
+                      </a:solidFill>
+                      <a:prstDash val="solid"/>
+                      <a:round/>
+                      <a:headEnd len="sm" w="sm" type="none"/>
+                      <a:tailEnd len="sm" w="sm" type="none"/>
+                    </a:lnR>
+                    <a:lnT cap="flat" cmpd="sng" w="9525">
+                      <a:solidFill>
+                        <a:schemeClr val="dk1"/>
+                      </a:solidFill>
+                      <a:prstDash val="solid"/>
+                      <a:round/>
+                      <a:headEnd len="sm" w="sm" type="none"/>
+                      <a:tailEnd len="sm" w="sm" type="none"/>
+                    </a:lnT>
+                    <a:lnB cap="flat" cmpd="sng" w="9525">
+                      <a:solidFill>
+                        <a:schemeClr val="dk1"/>
+                      </a:solidFill>
+                      <a:prstDash val="solid"/>
+                      <a:round/>
+                      <a:headEnd len="sm" w="sm" type="none"/>
+                      <a:tailEnd len="sm" w="sm" type="none"/>
+                    </a:lnB>
+                    <a:solidFill>
+                      <a:srgbClr val="C3D4EB"/>
+                    </a:solidFill>
+                  </a:tcPr>
+                </a:tc>
+                <a:tc>
+                  <a:txBody>
+                    <a:bodyPr/>
+                    <a:lstStyle/>
+                    <a:p>
+                      <a:pPr indent="0" lvl="0" marL="0" rtl="0" algn="l">
+                        <a:lnSpc>
+                          <a:spcPct val="150000"/>
+                        </a:lnSpc>
+                        <a:spcBef>
+                          <a:spcPts val="0"/>
+                        </a:spcBef>
+                        <a:spcAft>
+                          <a:spcPts val="0"/>
+                        </a:spcAft>
+                        <a:buNone/>
+                      </a:pPr>
+                      <a:r>
+                        <a:rPr lang="es-MX" sz="2100"/>
+                        <a:t>Priorización de segmentos clave para campañas estratégicas.</a:t>
+                      </a:r>
+                      <a:endParaRPr sz="2100"/>
+                    </a:p>
+                  </a:txBody>
+                  <a:tcPr marT="91425" marB="91425" marR="91425" marL="91425">
+                    <a:lnL cap="flat" cmpd="sng" w="9525">
+                      <a:solidFill>
+                        <a:schemeClr val="dk1"/>
+                      </a:solidFill>
+                      <a:prstDash val="solid"/>
+                      <a:round/>
+                      <a:headEnd len="sm" w="sm" type="none"/>
+                      <a:tailEnd len="sm" w="sm" type="none"/>
+                    </a:lnL>
+                    <a:lnR cap="flat" cmpd="sng" w="9525">
+                      <a:solidFill>
+                        <a:schemeClr val="dk1"/>
+                      </a:solidFill>
+                      <a:prstDash val="solid"/>
+                      <a:round/>
+                      <a:headEnd len="sm" w="sm" type="none"/>
+                      <a:tailEnd len="sm" w="sm" type="none"/>
+                    </a:lnR>
+                    <a:lnT cap="flat" cmpd="sng" w="9525">
+                      <a:solidFill>
+                        <a:schemeClr val="dk1"/>
+                      </a:solidFill>
+                      <a:prstDash val="solid"/>
+                      <a:round/>
+                      <a:headEnd len="sm" w="sm" type="none"/>
+                      <a:tailEnd len="sm" w="sm" type="none"/>
+                    </a:lnT>
+                    <a:lnB cap="flat" cmpd="sng" w="9525">
+                      <a:solidFill>
+                        <a:schemeClr val="dk1"/>
+                      </a:solidFill>
+                      <a:prstDash val="solid"/>
+                      <a:round/>
+                      <a:headEnd len="sm" w="sm" type="none"/>
+                      <a:tailEnd len="sm" w="sm" type="none"/>
+                    </a:lnB>
+                    <a:solidFill>
+                      <a:srgbClr val="C3D4EB"/>
+                    </a:solidFill>
+                  </a:tcPr>
+                </a:tc>
+              </a:tr>
+            </a:tbl>
+          </a:graphicData>
+        </a:graphic>
+      </p:graphicFrame>
     </p:spTree>
   </p:cSld>
   <p:clrMapOvr>
@@ -13755,7 +14083,7 @@
   <p:cSld>
     <p:spTree>
       <p:nvGrpSpPr>
-        <p:cNvPr id="198" name="Shape 198"/>
+        <p:cNvPr id="196" name="Shape 196"/>
         <p:cNvGrpSpPr/>
         <p:nvPr/>
       </p:nvGrpSpPr>
@@ -13769,7 +14097,7 @@
       </p:grpSpPr>
       <p:pic>
         <p:nvPicPr>
-          <p:cNvPr id="199" name="Google Shape;199;p13"/>
+          <p:cNvPr id="197" name="Google Shape;197;p13"/>
           <p:cNvPicPr preferRelativeResize="0"/>
           <p:nvPr/>
         </p:nvPicPr>
@@ -13784,7 +14112,7 @@
         <p:spPr>
           <a:xfrm>
             <a:off x="0" y="0"/>
-            <a:ext cx="12192000" cy="6858000"/>
+            <a:ext cx="12445998" cy="6858000"/>
           </a:xfrm>
           <a:prstGeom prst="rect">
             <a:avLst/>
@@ -13811,7 +14139,7 @@
   <p:cSld>
     <p:spTree>
       <p:nvGrpSpPr>
-        <p:cNvPr id="203" name="Shape 203"/>
+        <p:cNvPr id="201" name="Shape 201"/>
         <p:cNvGrpSpPr/>
         <p:nvPr/>
       </p:nvGrpSpPr>
@@ -13825,7 +14153,7 @@
       </p:grpSpPr>
       <p:pic>
         <p:nvPicPr>
-          <p:cNvPr descr="EscuelaIT Duoc UC - Escuela de Informática y Telecomunicaciones Duoc UC - Duoc  UC | LinkedIn" id="204" name="Google Shape;204;g312d80bae0e_0_17"/>
+          <p:cNvPr descr="EscuelaIT Duoc UC - Escuela de Informática y Telecomunicaciones Duoc UC - Duoc  UC | LinkedIn" id="202" name="Google Shape;202;g312d80bae0e_0_17"/>
           <p:cNvPicPr preferRelativeResize="0"/>
           <p:nvPr/>
         </p:nvPicPr>
@@ -13852,7 +14180,7 @@
       </p:pic>
       <p:pic>
         <p:nvPicPr>
-          <p:cNvPr id="205" name="Google Shape;205;g312d80bae0e_0_17"/>
+          <p:cNvPr id="203" name="Google Shape;203;g312d80bae0e_0_17"/>
           <p:cNvPicPr preferRelativeResize="0"/>
           <p:nvPr/>
         </p:nvPicPr>
@@ -13891,7 +14219,7 @@
   <p:cSld>
     <p:spTree>
       <p:nvGrpSpPr>
-        <p:cNvPr id="209" name="Shape 209"/>
+        <p:cNvPr id="207" name="Shape 207"/>
         <p:cNvGrpSpPr/>
         <p:nvPr/>
       </p:nvGrpSpPr>
@@ -13905,7 +14233,7 @@
       </p:grpSpPr>
       <p:pic>
         <p:nvPicPr>
-          <p:cNvPr descr="EscuelaIT Duoc UC - Escuela de Informática y Telecomunicaciones Duoc UC - Duoc  UC | LinkedIn" id="210" name="Google Shape;210;p14"/>
+          <p:cNvPr descr="EscuelaIT Duoc UC - Escuela de Informática y Telecomunicaciones Duoc UC - Duoc  UC | LinkedIn" id="208" name="Google Shape;208;p14"/>
           <p:cNvPicPr preferRelativeResize="0"/>
           <p:nvPr/>
         </p:nvPicPr>
@@ -13932,7 +14260,7 @@
       </p:pic>
       <p:sp>
         <p:nvSpPr>
-          <p:cNvPr id="211" name="Google Shape;211;p14"/>
+          <p:cNvPr id="209" name="Google Shape;209;p14"/>
           <p:cNvSpPr txBox="1"/>
           <p:nvPr/>
         </p:nvSpPr>
@@ -13982,7 +14310,7 @@
       </p:sp>
       <p:sp>
         <p:nvSpPr>
-          <p:cNvPr id="212" name="Google Shape;212;p14"/>
+          <p:cNvPr id="210" name="Google Shape;210;p14"/>
           <p:cNvSpPr txBox="1"/>
           <p:nvPr/>
         </p:nvSpPr>
@@ -14245,7 +14573,7 @@
   <p:cSld>
     <p:spTree>
       <p:nvGrpSpPr>
-        <p:cNvPr id="216" name="Shape 216"/>
+        <p:cNvPr id="214" name="Shape 214"/>
         <p:cNvGrpSpPr/>
         <p:nvPr/>
       </p:nvGrpSpPr>
@@ -14259,7 +14587,7 @@
       </p:grpSpPr>
       <p:pic>
         <p:nvPicPr>
-          <p:cNvPr descr="EscuelaIT Duoc UC - Escuela de Informática y Telecomunicaciones Duoc UC - Duoc  UC | LinkedIn" id="217" name="Google Shape;217;p15"/>
+          <p:cNvPr descr="EscuelaIT Duoc UC - Escuela de Informática y Telecomunicaciones Duoc UC - Duoc  UC | LinkedIn" id="215" name="Google Shape;215;p15"/>
           <p:cNvPicPr preferRelativeResize="0"/>
           <p:nvPr/>
         </p:nvPicPr>
@@ -14286,7 +14614,7 @@
       </p:pic>
       <p:sp>
         <p:nvSpPr>
-          <p:cNvPr id="218" name="Google Shape;218;p15"/>
+          <p:cNvPr id="216" name="Google Shape;216;p15"/>
           <p:cNvSpPr txBox="1"/>
           <p:nvPr/>
         </p:nvSpPr>
@@ -17157,7 +17485,7 @@
             <a:tbl>
               <a:tblPr>
                 <a:noFill/>
-                <a:tableStyleId>{97E2DDE2-D6CD-44B1-8FDA-B90B0E3B90CB}</a:tableStyleId>
+                <a:tableStyleId>{2DDB00C1-4FB2-4E88-8AE4-66CA4F2EDC52}</a:tableStyleId>
               </a:tblPr>
               <a:tblGrid>
                 <a:gridCol w="5719900"/>
@@ -17195,7 +17523,47 @@
                       </a:endParaRPr>
                     </a:p>
                   </a:txBody>
-                  <a:tcPr marT="91425" marB="91425" marR="91425" marL="91425"/>
+                  <a:tcPr marT="91425" marB="91425" marR="91425" marL="91425">
+                    <a:lnL cap="flat" cmpd="sng" w="9525">
+                      <a:solidFill>
+                        <a:schemeClr val="dk1"/>
+                      </a:solidFill>
+                      <a:prstDash val="solid"/>
+                      <a:round/>
+                      <a:headEnd len="sm" w="sm" type="none"/>
+                      <a:tailEnd len="sm" w="sm" type="none"/>
+                    </a:lnL>
+                    <a:lnR cap="flat" cmpd="sng" w="9525">
+                      <a:solidFill>
+                        <a:schemeClr val="dk1"/>
+                      </a:solidFill>
+                      <a:prstDash val="solid"/>
+                      <a:round/>
+                      <a:headEnd len="sm" w="sm" type="none"/>
+                      <a:tailEnd len="sm" w="sm" type="none"/>
+                    </a:lnR>
+                    <a:lnT cap="flat" cmpd="sng" w="9525">
+                      <a:solidFill>
+                        <a:schemeClr val="dk1"/>
+                      </a:solidFill>
+                      <a:prstDash val="solid"/>
+                      <a:round/>
+                      <a:headEnd len="sm" w="sm" type="none"/>
+                      <a:tailEnd len="sm" w="sm" type="none"/>
+                    </a:lnT>
+                    <a:lnB cap="flat" cmpd="sng" w="9525">
+                      <a:solidFill>
+                        <a:schemeClr val="dk1"/>
+                      </a:solidFill>
+                      <a:prstDash val="solid"/>
+                      <a:round/>
+                      <a:headEnd len="sm" w="sm" type="none"/>
+                      <a:tailEnd len="sm" w="sm" type="none"/>
+                    </a:lnB>
+                    <a:solidFill>
+                      <a:srgbClr val="C3D4EB"/>
+                    </a:solidFill>
+                  </a:tcPr>
                 </a:tc>
                 <a:tc>
                   <a:txBody>
@@ -17228,7 +17596,47 @@
                       </a:endParaRPr>
                     </a:p>
                   </a:txBody>
-                  <a:tcPr marT="91425" marB="91425" marR="91425" marL="91425"/>
+                  <a:tcPr marT="91425" marB="91425" marR="91425" marL="91425">
+                    <a:lnL cap="flat" cmpd="sng" w="9525">
+                      <a:solidFill>
+                        <a:schemeClr val="dk1"/>
+                      </a:solidFill>
+                      <a:prstDash val="solid"/>
+                      <a:round/>
+                      <a:headEnd len="sm" w="sm" type="none"/>
+                      <a:tailEnd len="sm" w="sm" type="none"/>
+                    </a:lnL>
+                    <a:lnR cap="flat" cmpd="sng" w="9525">
+                      <a:solidFill>
+                        <a:schemeClr val="dk1"/>
+                      </a:solidFill>
+                      <a:prstDash val="solid"/>
+                      <a:round/>
+                      <a:headEnd len="sm" w="sm" type="none"/>
+                      <a:tailEnd len="sm" w="sm" type="none"/>
+                    </a:lnR>
+                    <a:lnT cap="flat" cmpd="sng" w="9525">
+                      <a:solidFill>
+                        <a:schemeClr val="dk1"/>
+                      </a:solidFill>
+                      <a:prstDash val="solid"/>
+                      <a:round/>
+                      <a:headEnd len="sm" w="sm" type="none"/>
+                      <a:tailEnd len="sm" w="sm" type="none"/>
+                    </a:lnT>
+                    <a:lnB cap="flat" cmpd="sng" w="9525">
+                      <a:solidFill>
+                        <a:schemeClr val="dk1"/>
+                      </a:solidFill>
+                      <a:prstDash val="solid"/>
+                      <a:round/>
+                      <a:headEnd len="sm" w="sm" type="none"/>
+                      <a:tailEnd len="sm" w="sm" type="none"/>
+                    </a:lnB>
+                    <a:solidFill>
+                      <a:srgbClr val="C3D4EB"/>
+                    </a:solidFill>
+                  </a:tcPr>
                 </a:tc>
               </a:tr>
               <a:tr h="717450">
@@ -17263,7 +17671,47 @@
                       </a:endParaRPr>
                     </a:p>
                   </a:txBody>
-                  <a:tcPr marT="91425" marB="91425" marR="91425" marL="91425"/>
+                  <a:tcPr marT="91425" marB="91425" marR="91425" marL="91425">
+                    <a:lnL cap="flat" cmpd="sng" w="9525">
+                      <a:solidFill>
+                        <a:schemeClr val="dk1"/>
+                      </a:solidFill>
+                      <a:prstDash val="solid"/>
+                      <a:round/>
+                      <a:headEnd len="sm" w="sm" type="none"/>
+                      <a:tailEnd len="sm" w="sm" type="none"/>
+                    </a:lnL>
+                    <a:lnR cap="flat" cmpd="sng" w="9525">
+                      <a:solidFill>
+                        <a:schemeClr val="dk1"/>
+                      </a:solidFill>
+                      <a:prstDash val="solid"/>
+                      <a:round/>
+                      <a:headEnd len="sm" w="sm" type="none"/>
+                      <a:tailEnd len="sm" w="sm" type="none"/>
+                    </a:lnR>
+                    <a:lnT cap="flat" cmpd="sng" w="9525">
+                      <a:solidFill>
+                        <a:schemeClr val="dk1"/>
+                      </a:solidFill>
+                      <a:prstDash val="solid"/>
+                      <a:round/>
+                      <a:headEnd len="sm" w="sm" type="none"/>
+                      <a:tailEnd len="sm" w="sm" type="none"/>
+                    </a:lnT>
+                    <a:lnB cap="flat" cmpd="sng" w="9525">
+                      <a:solidFill>
+                        <a:schemeClr val="dk1"/>
+                      </a:solidFill>
+                      <a:prstDash val="solid"/>
+                      <a:round/>
+                      <a:headEnd len="sm" w="sm" type="none"/>
+                      <a:tailEnd len="sm" w="sm" type="none"/>
+                    </a:lnB>
+                    <a:solidFill>
+                      <a:srgbClr val="C3D4EB"/>
+                    </a:solidFill>
+                  </a:tcPr>
                 </a:tc>
                 <a:tc>
                   <a:txBody>
@@ -17296,7 +17744,47 @@
                       </a:endParaRPr>
                     </a:p>
                   </a:txBody>
-                  <a:tcPr marT="91425" marB="91425" marR="91425" marL="91425"/>
+                  <a:tcPr marT="91425" marB="91425" marR="91425" marL="91425">
+                    <a:lnL cap="flat" cmpd="sng" w="9525">
+                      <a:solidFill>
+                        <a:schemeClr val="dk1"/>
+                      </a:solidFill>
+                      <a:prstDash val="solid"/>
+                      <a:round/>
+                      <a:headEnd len="sm" w="sm" type="none"/>
+                      <a:tailEnd len="sm" w="sm" type="none"/>
+                    </a:lnL>
+                    <a:lnR cap="flat" cmpd="sng" w="9525">
+                      <a:solidFill>
+                        <a:schemeClr val="dk1"/>
+                      </a:solidFill>
+                      <a:prstDash val="solid"/>
+                      <a:round/>
+                      <a:headEnd len="sm" w="sm" type="none"/>
+                      <a:tailEnd len="sm" w="sm" type="none"/>
+                    </a:lnR>
+                    <a:lnT cap="flat" cmpd="sng" w="9525">
+                      <a:solidFill>
+                        <a:schemeClr val="dk1"/>
+                      </a:solidFill>
+                      <a:prstDash val="solid"/>
+                      <a:round/>
+                      <a:headEnd len="sm" w="sm" type="none"/>
+                      <a:tailEnd len="sm" w="sm" type="none"/>
+                    </a:lnT>
+                    <a:lnB cap="flat" cmpd="sng" w="9525">
+                      <a:solidFill>
+                        <a:schemeClr val="dk1"/>
+                      </a:solidFill>
+                      <a:prstDash val="solid"/>
+                      <a:round/>
+                      <a:headEnd len="sm" w="sm" type="none"/>
+                      <a:tailEnd len="sm" w="sm" type="none"/>
+                    </a:lnB>
+                    <a:solidFill>
+                      <a:srgbClr val="C3D4EB"/>
+                    </a:solidFill>
+                  </a:tcPr>
                 </a:tc>
               </a:tr>
               <a:tr h="717450">
@@ -17331,7 +17819,47 @@
                       </a:endParaRPr>
                     </a:p>
                   </a:txBody>
-                  <a:tcPr marT="91425" marB="91425" marR="91425" marL="91425"/>
+                  <a:tcPr marT="91425" marB="91425" marR="91425" marL="91425">
+                    <a:lnL cap="flat" cmpd="sng" w="9525">
+                      <a:solidFill>
+                        <a:schemeClr val="dk1"/>
+                      </a:solidFill>
+                      <a:prstDash val="solid"/>
+                      <a:round/>
+                      <a:headEnd len="sm" w="sm" type="none"/>
+                      <a:tailEnd len="sm" w="sm" type="none"/>
+                    </a:lnL>
+                    <a:lnR cap="flat" cmpd="sng" w="9525">
+                      <a:solidFill>
+                        <a:schemeClr val="dk1"/>
+                      </a:solidFill>
+                      <a:prstDash val="solid"/>
+                      <a:round/>
+                      <a:headEnd len="sm" w="sm" type="none"/>
+                      <a:tailEnd len="sm" w="sm" type="none"/>
+                    </a:lnR>
+                    <a:lnT cap="flat" cmpd="sng" w="9525">
+                      <a:solidFill>
+                        <a:schemeClr val="dk1"/>
+                      </a:solidFill>
+                      <a:prstDash val="solid"/>
+                      <a:round/>
+                      <a:headEnd len="sm" w="sm" type="none"/>
+                      <a:tailEnd len="sm" w="sm" type="none"/>
+                    </a:lnT>
+                    <a:lnB cap="flat" cmpd="sng" w="9525">
+                      <a:solidFill>
+                        <a:schemeClr val="dk1"/>
+                      </a:solidFill>
+                      <a:prstDash val="solid"/>
+                      <a:round/>
+                      <a:headEnd len="sm" w="sm" type="none"/>
+                      <a:tailEnd len="sm" w="sm" type="none"/>
+                    </a:lnB>
+                    <a:solidFill>
+                      <a:srgbClr val="C3D4EB"/>
+                    </a:solidFill>
+                  </a:tcPr>
                 </a:tc>
                 <a:tc>
                   <a:txBody>
@@ -17364,7 +17892,47 @@
                       </a:endParaRPr>
                     </a:p>
                   </a:txBody>
-                  <a:tcPr marT="91425" marB="91425" marR="91425" marL="91425"/>
+                  <a:tcPr marT="91425" marB="91425" marR="91425" marL="91425">
+                    <a:lnL cap="flat" cmpd="sng" w="9525">
+                      <a:solidFill>
+                        <a:schemeClr val="dk1"/>
+                      </a:solidFill>
+                      <a:prstDash val="solid"/>
+                      <a:round/>
+                      <a:headEnd len="sm" w="sm" type="none"/>
+                      <a:tailEnd len="sm" w="sm" type="none"/>
+                    </a:lnL>
+                    <a:lnR cap="flat" cmpd="sng" w="9525">
+                      <a:solidFill>
+                        <a:schemeClr val="dk1"/>
+                      </a:solidFill>
+                      <a:prstDash val="solid"/>
+                      <a:round/>
+                      <a:headEnd len="sm" w="sm" type="none"/>
+                      <a:tailEnd len="sm" w="sm" type="none"/>
+                    </a:lnR>
+                    <a:lnT cap="flat" cmpd="sng" w="9525">
+                      <a:solidFill>
+                        <a:schemeClr val="dk1"/>
+                      </a:solidFill>
+                      <a:prstDash val="solid"/>
+                      <a:round/>
+                      <a:headEnd len="sm" w="sm" type="none"/>
+                      <a:tailEnd len="sm" w="sm" type="none"/>
+                    </a:lnT>
+                    <a:lnB cap="flat" cmpd="sng" w="9525">
+                      <a:solidFill>
+                        <a:schemeClr val="dk1"/>
+                      </a:solidFill>
+                      <a:prstDash val="solid"/>
+                      <a:round/>
+                      <a:headEnd len="sm" w="sm" type="none"/>
+                      <a:tailEnd len="sm" w="sm" type="none"/>
+                    </a:lnB>
+                    <a:solidFill>
+                      <a:srgbClr val="C3D4EB"/>
+                    </a:solidFill>
+                  </a:tcPr>
                 </a:tc>
               </a:tr>
               <a:tr h="717450">
@@ -17399,7 +17967,47 @@
                       </a:endParaRPr>
                     </a:p>
                   </a:txBody>
-                  <a:tcPr marT="91425" marB="91425" marR="91425" marL="91425"/>
+                  <a:tcPr marT="91425" marB="91425" marR="91425" marL="91425">
+                    <a:lnL cap="flat" cmpd="sng" w="9525">
+                      <a:solidFill>
+                        <a:schemeClr val="dk1"/>
+                      </a:solidFill>
+                      <a:prstDash val="solid"/>
+                      <a:round/>
+                      <a:headEnd len="sm" w="sm" type="none"/>
+                      <a:tailEnd len="sm" w="sm" type="none"/>
+                    </a:lnL>
+                    <a:lnR cap="flat" cmpd="sng" w="9525">
+                      <a:solidFill>
+                        <a:schemeClr val="dk1"/>
+                      </a:solidFill>
+                      <a:prstDash val="solid"/>
+                      <a:round/>
+                      <a:headEnd len="sm" w="sm" type="none"/>
+                      <a:tailEnd len="sm" w="sm" type="none"/>
+                    </a:lnR>
+                    <a:lnT cap="flat" cmpd="sng" w="9525">
+                      <a:solidFill>
+                        <a:schemeClr val="dk1"/>
+                      </a:solidFill>
+                      <a:prstDash val="solid"/>
+                      <a:round/>
+                      <a:headEnd len="sm" w="sm" type="none"/>
+                      <a:tailEnd len="sm" w="sm" type="none"/>
+                    </a:lnT>
+                    <a:lnB cap="flat" cmpd="sng" w="9525">
+                      <a:solidFill>
+                        <a:schemeClr val="dk1"/>
+                      </a:solidFill>
+                      <a:prstDash val="solid"/>
+                      <a:round/>
+                      <a:headEnd len="sm" w="sm" type="none"/>
+                      <a:tailEnd len="sm" w="sm" type="none"/>
+                    </a:lnB>
+                    <a:solidFill>
+                      <a:srgbClr val="C3D4EB"/>
+                    </a:solidFill>
+                  </a:tcPr>
                 </a:tc>
                 <a:tc>
                   <a:txBody>
@@ -17432,7 +18040,47 @@
                       </a:endParaRPr>
                     </a:p>
                   </a:txBody>
-                  <a:tcPr marT="91425" marB="91425" marR="91425" marL="91425"/>
+                  <a:tcPr marT="91425" marB="91425" marR="91425" marL="91425">
+                    <a:lnL cap="flat" cmpd="sng" w="9525">
+                      <a:solidFill>
+                        <a:schemeClr val="dk1"/>
+                      </a:solidFill>
+                      <a:prstDash val="solid"/>
+                      <a:round/>
+                      <a:headEnd len="sm" w="sm" type="none"/>
+                      <a:tailEnd len="sm" w="sm" type="none"/>
+                    </a:lnL>
+                    <a:lnR cap="flat" cmpd="sng" w="9525">
+                      <a:solidFill>
+                        <a:schemeClr val="dk1"/>
+                      </a:solidFill>
+                      <a:prstDash val="solid"/>
+                      <a:round/>
+                      <a:headEnd len="sm" w="sm" type="none"/>
+                      <a:tailEnd len="sm" w="sm" type="none"/>
+                    </a:lnR>
+                    <a:lnT cap="flat" cmpd="sng" w="9525">
+                      <a:solidFill>
+                        <a:schemeClr val="dk1"/>
+                      </a:solidFill>
+                      <a:prstDash val="solid"/>
+                      <a:round/>
+                      <a:headEnd len="sm" w="sm" type="none"/>
+                      <a:tailEnd len="sm" w="sm" type="none"/>
+                    </a:lnT>
+                    <a:lnB cap="flat" cmpd="sng" w="9525">
+                      <a:solidFill>
+                        <a:schemeClr val="dk1"/>
+                      </a:solidFill>
+                      <a:prstDash val="solid"/>
+                      <a:round/>
+                      <a:headEnd len="sm" w="sm" type="none"/>
+                      <a:tailEnd len="sm" w="sm" type="none"/>
+                    </a:lnB>
+                    <a:solidFill>
+                      <a:srgbClr val="C3D4EB"/>
+                    </a:solidFill>
+                  </a:tcPr>
                 </a:tc>
               </a:tr>
               <a:tr h="717450">
@@ -17467,7 +18115,47 @@
                       </a:endParaRPr>
                     </a:p>
                   </a:txBody>
-                  <a:tcPr marT="91425" marB="91425" marR="91425" marL="91425"/>
+                  <a:tcPr marT="91425" marB="91425" marR="91425" marL="91425">
+                    <a:lnL cap="flat" cmpd="sng" w="9525">
+                      <a:solidFill>
+                        <a:schemeClr val="dk1"/>
+                      </a:solidFill>
+                      <a:prstDash val="solid"/>
+                      <a:round/>
+                      <a:headEnd len="sm" w="sm" type="none"/>
+                      <a:tailEnd len="sm" w="sm" type="none"/>
+                    </a:lnL>
+                    <a:lnR cap="flat" cmpd="sng" w="9525">
+                      <a:solidFill>
+                        <a:schemeClr val="dk1"/>
+                      </a:solidFill>
+                      <a:prstDash val="solid"/>
+                      <a:round/>
+                      <a:headEnd len="sm" w="sm" type="none"/>
+                      <a:tailEnd len="sm" w="sm" type="none"/>
+                    </a:lnR>
+                    <a:lnT cap="flat" cmpd="sng" w="9525">
+                      <a:solidFill>
+                        <a:schemeClr val="dk1"/>
+                      </a:solidFill>
+                      <a:prstDash val="solid"/>
+                      <a:round/>
+                      <a:headEnd len="sm" w="sm" type="none"/>
+                      <a:tailEnd len="sm" w="sm" type="none"/>
+                    </a:lnT>
+                    <a:lnB cap="flat" cmpd="sng" w="9525">
+                      <a:solidFill>
+                        <a:schemeClr val="dk1"/>
+                      </a:solidFill>
+                      <a:prstDash val="solid"/>
+                      <a:round/>
+                      <a:headEnd len="sm" w="sm" type="none"/>
+                      <a:tailEnd len="sm" w="sm" type="none"/>
+                    </a:lnB>
+                    <a:solidFill>
+                      <a:srgbClr val="C3D4EB"/>
+                    </a:solidFill>
+                  </a:tcPr>
                 </a:tc>
                 <a:tc>
                   <a:txBody>
@@ -17500,7 +18188,47 @@
                       </a:endParaRPr>
                     </a:p>
                   </a:txBody>
-                  <a:tcPr marT="91425" marB="91425" marR="91425" marL="91425"/>
+                  <a:tcPr marT="91425" marB="91425" marR="91425" marL="91425">
+                    <a:lnL cap="flat" cmpd="sng" w="9525">
+                      <a:solidFill>
+                        <a:schemeClr val="dk1"/>
+                      </a:solidFill>
+                      <a:prstDash val="solid"/>
+                      <a:round/>
+                      <a:headEnd len="sm" w="sm" type="none"/>
+                      <a:tailEnd len="sm" w="sm" type="none"/>
+                    </a:lnL>
+                    <a:lnR cap="flat" cmpd="sng" w="9525">
+                      <a:solidFill>
+                        <a:schemeClr val="dk1"/>
+                      </a:solidFill>
+                      <a:prstDash val="solid"/>
+                      <a:round/>
+                      <a:headEnd len="sm" w="sm" type="none"/>
+                      <a:tailEnd len="sm" w="sm" type="none"/>
+                    </a:lnR>
+                    <a:lnT cap="flat" cmpd="sng" w="9525">
+                      <a:solidFill>
+                        <a:schemeClr val="dk1"/>
+                      </a:solidFill>
+                      <a:prstDash val="solid"/>
+                      <a:round/>
+                      <a:headEnd len="sm" w="sm" type="none"/>
+                      <a:tailEnd len="sm" w="sm" type="none"/>
+                    </a:lnT>
+                    <a:lnB cap="flat" cmpd="sng" w="9525">
+                      <a:solidFill>
+                        <a:schemeClr val="dk1"/>
+                      </a:solidFill>
+                      <a:prstDash val="solid"/>
+                      <a:round/>
+                      <a:headEnd len="sm" w="sm" type="none"/>
+                      <a:tailEnd len="sm" w="sm" type="none"/>
+                    </a:lnB>
+                    <a:solidFill>
+                      <a:srgbClr val="C3D4EB"/>
+                    </a:solidFill>
+                  </a:tcPr>
                 </a:tc>
               </a:tr>
               <a:tr h="968575">
@@ -17535,7 +18263,47 @@
                       </a:endParaRPr>
                     </a:p>
                   </a:txBody>
-                  <a:tcPr marT="91425" marB="91425" marR="91425" marL="91425"/>
+                  <a:tcPr marT="91425" marB="91425" marR="91425" marL="91425">
+                    <a:lnL cap="flat" cmpd="sng" w="9525">
+                      <a:solidFill>
+                        <a:schemeClr val="dk1"/>
+                      </a:solidFill>
+                      <a:prstDash val="solid"/>
+                      <a:round/>
+                      <a:headEnd len="sm" w="sm" type="none"/>
+                      <a:tailEnd len="sm" w="sm" type="none"/>
+                    </a:lnL>
+                    <a:lnR cap="flat" cmpd="sng" w="9525">
+                      <a:solidFill>
+                        <a:schemeClr val="dk1"/>
+                      </a:solidFill>
+                      <a:prstDash val="solid"/>
+                      <a:round/>
+                      <a:headEnd len="sm" w="sm" type="none"/>
+                      <a:tailEnd len="sm" w="sm" type="none"/>
+                    </a:lnR>
+                    <a:lnT cap="flat" cmpd="sng" w="9525">
+                      <a:solidFill>
+                        <a:schemeClr val="dk1"/>
+                      </a:solidFill>
+                      <a:prstDash val="solid"/>
+                      <a:round/>
+                      <a:headEnd len="sm" w="sm" type="none"/>
+                      <a:tailEnd len="sm" w="sm" type="none"/>
+                    </a:lnT>
+                    <a:lnB cap="flat" cmpd="sng" w="9525">
+                      <a:solidFill>
+                        <a:schemeClr val="dk1"/>
+                      </a:solidFill>
+                      <a:prstDash val="solid"/>
+                      <a:round/>
+                      <a:headEnd len="sm" w="sm" type="none"/>
+                      <a:tailEnd len="sm" w="sm" type="none"/>
+                    </a:lnB>
+                    <a:solidFill>
+                      <a:srgbClr val="C3D4EB"/>
+                    </a:solidFill>
+                  </a:tcPr>
                 </a:tc>
                 <a:tc>
                   <a:txBody>
@@ -17568,7 +18336,47 @@
                       </a:endParaRPr>
                     </a:p>
                   </a:txBody>
-                  <a:tcPr marT="91425" marB="91425" marR="91425" marL="91425"/>
+                  <a:tcPr marT="91425" marB="91425" marR="91425" marL="91425">
+                    <a:lnL cap="flat" cmpd="sng" w="9525">
+                      <a:solidFill>
+                        <a:schemeClr val="dk1"/>
+                      </a:solidFill>
+                      <a:prstDash val="solid"/>
+                      <a:round/>
+                      <a:headEnd len="sm" w="sm" type="none"/>
+                      <a:tailEnd len="sm" w="sm" type="none"/>
+                    </a:lnL>
+                    <a:lnR cap="flat" cmpd="sng" w="9525">
+                      <a:solidFill>
+                        <a:schemeClr val="dk1"/>
+                      </a:solidFill>
+                      <a:prstDash val="solid"/>
+                      <a:round/>
+                      <a:headEnd len="sm" w="sm" type="none"/>
+                      <a:tailEnd len="sm" w="sm" type="none"/>
+                    </a:lnR>
+                    <a:lnT cap="flat" cmpd="sng" w="9525">
+                      <a:solidFill>
+                        <a:schemeClr val="dk1"/>
+                      </a:solidFill>
+                      <a:prstDash val="solid"/>
+                      <a:round/>
+                      <a:headEnd len="sm" w="sm" type="none"/>
+                      <a:tailEnd len="sm" w="sm" type="none"/>
+                    </a:lnT>
+                    <a:lnB cap="flat" cmpd="sng" w="9525">
+                      <a:solidFill>
+                        <a:schemeClr val="dk1"/>
+                      </a:solidFill>
+                      <a:prstDash val="solid"/>
+                      <a:round/>
+                      <a:headEnd len="sm" w="sm" type="none"/>
+                      <a:tailEnd len="sm" w="sm" type="none"/>
+                    </a:lnB>
+                    <a:solidFill>
+                      <a:srgbClr val="C3D4EB"/>
+                    </a:solidFill>
+                  </a:tcPr>
                 </a:tc>
               </a:tr>
             </a:tbl>
@@ -17789,116 +18597,16 @@
           </a:ln>
         </p:spPr>
       </p:pic>
-      <p:sp>
-        <p:nvSpPr>
-          <p:cNvPr id="160" name="Google Shape;160;p9"/>
-          <p:cNvSpPr txBox="1"/>
-          <p:nvPr/>
-        </p:nvSpPr>
-        <p:spPr>
-          <a:xfrm>
-            <a:off x="136188" y="368928"/>
-            <a:ext cx="12191999" cy="369332"/>
-          </a:xfrm>
-          <a:prstGeom prst="rect">
-            <a:avLst/>
-          </a:prstGeom>
-          <a:noFill/>
-          <a:ln>
-            <a:noFill/>
-          </a:ln>
-        </p:spPr>
-        <p:txBody>
-          <a:bodyPr anchorCtr="0" anchor="t" bIns="45700" lIns="91425" spcFirstLastPara="1" rIns="91425" wrap="square" tIns="45700">
-            <a:spAutoFit/>
-          </a:bodyPr>
-          <a:lstStyle/>
-          <a:p>
-            <a:pPr indent="0" lvl="0" marL="0" marR="0" rtl="0" algn="l">
-              <a:spcBef>
-                <a:spcPts val="0"/>
-              </a:spcBef>
-              <a:spcAft>
-                <a:spcPts val="0"/>
-              </a:spcAft>
-              <a:buNone/>
-            </a:pPr>
-            <a:r>
-              <a:rPr lang="es-MX" sz="1800">
-                <a:solidFill>
-                  <a:srgbClr val="757070"/>
-                </a:solidFill>
-                <a:latin typeface="Calibri"/>
-                <a:ea typeface="Calibri"/>
-                <a:cs typeface="Calibri"/>
-                <a:sym typeface="Calibri"/>
-              </a:rPr>
-              <a:t>PROYECTO “Análisis Predictivo De Tendencias”</a:t>
-            </a:r>
-            <a:endParaRPr/>
-          </a:p>
-        </p:txBody>
-      </p:sp>
-      <p:sp>
-        <p:nvSpPr>
-          <p:cNvPr id="161" name="Google Shape;161;p9"/>
-          <p:cNvSpPr txBox="1"/>
-          <p:nvPr/>
-        </p:nvSpPr>
-        <p:spPr>
-          <a:xfrm>
-            <a:off x="0" y="621475"/>
-            <a:ext cx="12192000" cy="646500"/>
-          </a:xfrm>
-          <a:prstGeom prst="rect">
-            <a:avLst/>
-          </a:prstGeom>
-          <a:noFill/>
-          <a:ln>
-            <a:noFill/>
-          </a:ln>
-        </p:spPr>
-        <p:txBody>
-          <a:bodyPr anchorCtr="0" anchor="t" bIns="45700" lIns="91425" spcFirstLastPara="1" rIns="91425" wrap="square" tIns="45700">
-            <a:spAutoFit/>
-          </a:bodyPr>
-          <a:lstStyle/>
-          <a:p>
-            <a:pPr indent="0" lvl="0" marL="0" marR="0" rtl="0" algn="ctr">
-              <a:spcBef>
-                <a:spcPts val="0"/>
-              </a:spcBef>
-              <a:spcAft>
-                <a:spcPts val="0"/>
-              </a:spcAft>
-              <a:buNone/>
-            </a:pPr>
-            <a:r>
-              <a:rPr lang="es-MX" sz="3600">
-                <a:solidFill>
-                  <a:schemeClr val="dk1"/>
-                </a:solidFill>
-                <a:latin typeface="Calibri"/>
-                <a:ea typeface="Calibri"/>
-                <a:cs typeface="Calibri"/>
-                <a:sym typeface="Calibri"/>
-              </a:rPr>
-              <a:t>Arquitectura del software</a:t>
-            </a:r>
-            <a:endParaRPr/>
-          </a:p>
-        </p:txBody>
-      </p:sp>
       <p:cxnSp>
         <p:nvCxnSpPr>
-          <p:cNvPr id="162" name="Google Shape;162;p9"/>
+          <p:cNvPr id="160" name="Google Shape;160;p9"/>
           <p:cNvCxnSpPr/>
           <p:nvPr/>
         </p:nvCxnSpPr>
         <p:spPr>
           <a:xfrm>
-            <a:off x="0" y="758027"/>
-            <a:ext cx="4085617" cy="0"/>
+            <a:off x="0" y="1246502"/>
+            <a:ext cx="4085700" cy="0"/>
           </a:xfrm>
           <a:prstGeom prst="straightConnector1">
             <a:avLst/>
@@ -17917,7 +18625,7 @@
       </p:cxnSp>
       <p:pic>
         <p:nvPicPr>
-          <p:cNvPr id="163" name="Google Shape;163;p9"/>
+          <p:cNvPr id="161" name="Google Shape;161;p9"/>
           <p:cNvPicPr preferRelativeResize="0"/>
           <p:nvPr/>
         </p:nvPicPr>
@@ -17931,8 +18639,8 @@
         </p:blipFill>
         <p:spPr>
           <a:xfrm>
-            <a:off x="0" y="1387225"/>
-            <a:ext cx="12164374" cy="5511324"/>
+            <a:off x="1406775" y="68388"/>
+            <a:ext cx="6087650" cy="6721225"/>
           </a:xfrm>
           <a:prstGeom prst="rect">
             <a:avLst/>
